--- a/system-analysis-design/slides/1-System Analysis and Design Course 2023 2nd Semester.pptx
+++ b/system-analysis-design/slides/1-System Analysis and Design Course 2023 2nd Semester.pptx
@@ -30220,23 +30220,7 @@
                   <a:schemeClr val="tx1"/>
                 </a:solidFill>
               </a:rPr>
-              <a:t> (</a:t>
-            </a:r>
-            <a:r>
-              <a:rPr lang="en-US" sz="1200" dirty="0" err="1">
-                <a:solidFill>
-                  <a:schemeClr val="tx1"/>
-                </a:solidFill>
-              </a:rPr>
-              <a:t>marikotagawa@gmail.com</a:t>
-            </a:r>
-            <a:r>
-              <a:rPr lang="en-US" sz="1200" dirty="0">
-                <a:solidFill>
-                  <a:schemeClr val="tx1"/>
-                </a:solidFill>
-              </a:rPr>
-              <a:t>), JICA volunteer</a:t>
+              <a:t>, JICA volunteer</a:t>
             </a:r>
           </a:p>
         </p:txBody>
@@ -30821,30 +30805,18 @@
                 <a:ea typeface="MS PGothic" panose="020B0600070205080204" pitchFamily="34" charset="-128"/>
                 <a:hlinkClick r:id="rId3"/>
               </a:rPr>
-              <a:t>https://</a:t>
+              <a:t>https://forms.gle/TQT9pomLd7bMsaRs9</a:t>
             </a:r>
-            <a:r>
-              <a:rPr lang="en-US" sz="2000" dirty="0" err="1">
-                <a:solidFill>
-                  <a:schemeClr val="tx1"/>
-                </a:solidFill>
-                <a:latin typeface="MS PGothic" panose="020B0600070205080204" pitchFamily="34" charset="-128"/>
-                <a:ea typeface="MS PGothic" panose="020B0600070205080204" pitchFamily="34" charset="-128"/>
-                <a:hlinkClick r:id="rId3"/>
-              </a:rPr>
-              <a:t>forms.gle</a:t>
-            </a:r>
-            <a:r>
-              <a:rPr lang="en-US" sz="2000" dirty="0">
-                <a:solidFill>
-                  <a:schemeClr val="tx1"/>
-                </a:solidFill>
-                <a:latin typeface="MS PGothic" panose="020B0600070205080204" pitchFamily="34" charset="-128"/>
-                <a:ea typeface="MS PGothic" panose="020B0600070205080204" pitchFamily="34" charset="-128"/>
-                <a:hlinkClick r:id="rId3"/>
-              </a:rPr>
-              <a:t>/ZrRH5YwLPMPWDNdm8</a:t>
-            </a:r>
+            <a:endParaRPr lang="en-US" sz="2000" dirty="0">
+              <a:solidFill>
+                <a:schemeClr val="tx1"/>
+              </a:solidFill>
+              <a:latin typeface="MS PGothic" panose="020B0600070205080204" pitchFamily="34" charset="-128"/>
+              <a:ea typeface="MS PGothic" panose="020B0600070205080204" pitchFamily="34" charset="-128"/>
+            </a:endParaRPr>
+          </a:p>
+          <a:p>
+            <a:pPr marL="139700"/>
             <a:endParaRPr lang="en-US" sz="2000" dirty="0">
               <a:solidFill>
                 <a:schemeClr val="tx1"/>
@@ -40734,30 +40706,18 @@
                 <a:ea typeface="MS PGothic" panose="020B0600070205080204" pitchFamily="34" charset="-128"/>
                 <a:hlinkClick r:id="rId3"/>
               </a:rPr>
-              <a:t>https://</a:t>
+              <a:t>https://forms.gle/inx2yMD6v6PSkDJz8</a:t>
             </a:r>
-            <a:r>
-              <a:rPr lang="en-US" sz="2000" dirty="0" err="1">
-                <a:solidFill>
-                  <a:schemeClr val="tx1"/>
-                </a:solidFill>
-                <a:latin typeface="MS PGothic" panose="020B0600070205080204" pitchFamily="34" charset="-128"/>
-                <a:ea typeface="MS PGothic" panose="020B0600070205080204" pitchFamily="34" charset="-128"/>
-                <a:hlinkClick r:id="rId3"/>
-              </a:rPr>
-              <a:t>forms.gle</a:t>
-            </a:r>
-            <a:r>
-              <a:rPr lang="en-US" sz="2000" dirty="0">
-                <a:solidFill>
-                  <a:schemeClr val="tx1"/>
-                </a:solidFill>
-                <a:latin typeface="MS PGothic" panose="020B0600070205080204" pitchFamily="34" charset="-128"/>
-                <a:ea typeface="MS PGothic" panose="020B0600070205080204" pitchFamily="34" charset="-128"/>
-                <a:hlinkClick r:id="rId3"/>
-              </a:rPr>
-              <a:t>/PMCcKbCjH8eX8x1C8</a:t>
-            </a:r>
+            <a:endParaRPr lang="en-US" sz="2000" dirty="0">
+              <a:solidFill>
+                <a:schemeClr val="tx1"/>
+              </a:solidFill>
+              <a:latin typeface="MS PGothic" panose="020B0600070205080204" pitchFamily="34" charset="-128"/>
+              <a:ea typeface="MS PGothic" panose="020B0600070205080204" pitchFamily="34" charset="-128"/>
+            </a:endParaRPr>
+          </a:p>
+          <a:p>
+            <a:pPr marL="139700"/>
             <a:endParaRPr lang="en-US" sz="2000" dirty="0">
               <a:solidFill>
                 <a:schemeClr val="tx1"/>
@@ -41488,7 +41448,7 @@
                 <a:ea typeface="MS PGothic" panose="020B0600070205080204" pitchFamily="34" charset="-128"/>
                 <a:hlinkClick r:id="rId3"/>
               </a:rPr>
-              <a:t>https://forms.gle/pYX8tiq3mEnoxyjz9</a:t>
+              <a:t>https://forms.gle/ULtP69SBAShcNUdU6</a:t>
             </a:r>
             <a:endParaRPr lang="en-US" altLang="ja-JP" sz="2000" dirty="0">
               <a:solidFill>
